--- a/Wedgies.pptx
+++ b/Wedgies.pptx
@@ -4,15 +4,15 @@
   <p:sldMasterIdLst>
     <p:sldMasterId id="2147483648" r:id="rId1"/>
   </p:sldMasterIdLst>
+  <p:notesMasterIdLst>
+    <p:notesMasterId r:id="rId7"/>
+  </p:notesMasterIdLst>
   <p:sldIdLst>
-    <p:sldId id="256" r:id="rId2"/>
-    <p:sldId id="257" r:id="rId3"/>
-    <p:sldId id="258" r:id="rId4"/>
-    <p:sldId id="259" r:id="rId5"/>
-    <p:sldId id="260" r:id="rId6"/>
-    <p:sldId id="262" r:id="rId7"/>
-    <p:sldId id="263" r:id="rId8"/>
-    <p:sldId id="261" r:id="rId9"/>
+    <p:sldId id="257" r:id="rId2"/>
+    <p:sldId id="258" r:id="rId3"/>
+    <p:sldId id="259" r:id="rId4"/>
+    <p:sldId id="260" r:id="rId5"/>
+    <p:sldId id="262" r:id="rId6"/>
   </p:sldIdLst>
   <p:sldSz cx="9144000" cy="6858000" type="screen4x3"/>
   <p:notesSz cx="6858000" cy="9144000"/>
@@ -114,6 +114,556 @@
 </p:presentation>
 </file>
 
+<file path=ppt/notesMasters/notesMaster1.xml><?xml version="1.0" encoding="utf-8"?>
+<p:notesMaster xmlns:a="http://schemas.openxmlformats.org/drawingml/2006/main" xmlns:r="http://schemas.openxmlformats.org/officeDocument/2006/relationships" xmlns:p="http://schemas.openxmlformats.org/presentationml/2006/main">
+  <p:cSld>
+    <p:bg>
+      <p:bgRef idx="1001">
+        <a:schemeClr val="bg1"/>
+      </p:bgRef>
+    </p:bg>
+    <p:spTree>
+      <p:nvGrpSpPr>
+        <p:cNvPr id="1" name=""/>
+        <p:cNvGrpSpPr/>
+        <p:nvPr/>
+      </p:nvGrpSpPr>
+      <p:grpSpPr>
+        <a:xfrm>
+          <a:off x="0" y="0"/>
+          <a:ext cx="0" cy="0"/>
+          <a:chOff x="0" y="0"/>
+          <a:chExt cx="0" cy="0"/>
+        </a:xfrm>
+      </p:grpSpPr>
+      <p:sp>
+        <p:nvSpPr>
+          <p:cNvPr id="2" name="Header Placeholder 1"/>
+          <p:cNvSpPr>
+            <a:spLocks noGrp="1"/>
+          </p:cNvSpPr>
+          <p:nvPr>
+            <p:ph type="hdr" sz="quarter"/>
+          </p:nvPr>
+        </p:nvSpPr>
+        <p:spPr>
+          <a:xfrm>
+            <a:off x="0" y="0"/>
+            <a:ext cx="2971800" cy="457200"/>
+          </a:xfrm>
+          <a:prstGeom prst="rect">
+            <a:avLst/>
+          </a:prstGeom>
+        </p:spPr>
+        <p:txBody>
+          <a:bodyPr vert="horz" lIns="91440" tIns="45720" rIns="91440" bIns="45720" rtlCol="0"/>
+          <a:lstStyle>
+            <a:lvl1pPr algn="l">
+              <a:defRPr sz="1200"/>
+            </a:lvl1pPr>
+          </a:lstStyle>
+          <a:p>
+            <a:endParaRPr lang="en-US"/>
+          </a:p>
+        </p:txBody>
+      </p:sp>
+      <p:sp>
+        <p:nvSpPr>
+          <p:cNvPr id="3" name="Date Placeholder 2"/>
+          <p:cNvSpPr>
+            <a:spLocks noGrp="1"/>
+          </p:cNvSpPr>
+          <p:nvPr>
+            <p:ph type="dt" idx="1"/>
+          </p:nvPr>
+        </p:nvSpPr>
+        <p:spPr>
+          <a:xfrm>
+            <a:off x="3884613" y="0"/>
+            <a:ext cx="2971800" cy="457200"/>
+          </a:xfrm>
+          <a:prstGeom prst="rect">
+            <a:avLst/>
+          </a:prstGeom>
+        </p:spPr>
+        <p:txBody>
+          <a:bodyPr vert="horz" lIns="91440" tIns="45720" rIns="91440" bIns="45720" rtlCol="0"/>
+          <a:lstStyle>
+            <a:lvl1pPr algn="r">
+              <a:defRPr sz="1200"/>
+            </a:lvl1pPr>
+          </a:lstStyle>
+          <a:p>
+            <a:fld id="{EEE56289-70AF-4402-BE6B-0011CE5461A3}" type="datetimeFigureOut">
+              <a:rPr lang="en-US" smtClean="0"/>
+              <a:t>8/20/2021</a:t>
+            </a:fld>
+            <a:endParaRPr lang="en-US"/>
+          </a:p>
+        </p:txBody>
+      </p:sp>
+      <p:sp>
+        <p:nvSpPr>
+          <p:cNvPr id="4" name="Slide Image Placeholder 3"/>
+          <p:cNvSpPr>
+            <a:spLocks noGrp="1" noRot="1" noChangeAspect="1"/>
+          </p:cNvSpPr>
+          <p:nvPr>
+            <p:ph type="sldImg" idx="2"/>
+          </p:nvPr>
+        </p:nvSpPr>
+        <p:spPr>
+          <a:xfrm>
+            <a:off x="1143000" y="685800"/>
+            <a:ext cx="4572000" cy="3429000"/>
+          </a:xfrm>
+          <a:prstGeom prst="rect">
+            <a:avLst/>
+          </a:prstGeom>
+          <a:noFill/>
+          <a:ln w="12700">
+            <a:solidFill>
+              <a:prstClr val="black"/>
+            </a:solidFill>
+          </a:ln>
+        </p:spPr>
+        <p:txBody>
+          <a:bodyPr vert="horz" lIns="91440" tIns="45720" rIns="91440" bIns="45720" rtlCol="0" anchor="ctr"/>
+          <a:lstStyle/>
+          <a:p>
+            <a:endParaRPr lang="en-US"/>
+          </a:p>
+        </p:txBody>
+      </p:sp>
+      <p:sp>
+        <p:nvSpPr>
+          <p:cNvPr id="5" name="Notes Placeholder 4"/>
+          <p:cNvSpPr>
+            <a:spLocks noGrp="1"/>
+          </p:cNvSpPr>
+          <p:nvPr>
+            <p:ph type="body" sz="quarter" idx="3"/>
+          </p:nvPr>
+        </p:nvSpPr>
+        <p:spPr>
+          <a:xfrm>
+            <a:off x="685800" y="4343400"/>
+            <a:ext cx="5486400" cy="4114800"/>
+          </a:xfrm>
+          <a:prstGeom prst="rect">
+            <a:avLst/>
+          </a:prstGeom>
+        </p:spPr>
+        <p:txBody>
+          <a:bodyPr vert="horz" lIns="91440" tIns="45720" rIns="91440" bIns="45720" rtlCol="0"/>
+          <a:lstStyle/>
+          <a:p>
+            <a:pPr lvl="0"/>
+            <a:r>
+              <a:rPr lang="en-US" smtClean="0"/>
+              <a:t>Click to edit Master text styles</a:t>
+            </a:r>
+          </a:p>
+          <a:p>
+            <a:pPr lvl="1"/>
+            <a:r>
+              <a:rPr lang="en-US" smtClean="0"/>
+              <a:t>Second level</a:t>
+            </a:r>
+          </a:p>
+          <a:p>
+            <a:pPr lvl="2"/>
+            <a:r>
+              <a:rPr lang="en-US" smtClean="0"/>
+              <a:t>Third level</a:t>
+            </a:r>
+          </a:p>
+          <a:p>
+            <a:pPr lvl="3"/>
+            <a:r>
+              <a:rPr lang="en-US" smtClean="0"/>
+              <a:t>Fourth level</a:t>
+            </a:r>
+          </a:p>
+          <a:p>
+            <a:pPr lvl="4"/>
+            <a:r>
+              <a:rPr lang="en-US" smtClean="0"/>
+              <a:t>Fifth level</a:t>
+            </a:r>
+            <a:endParaRPr lang="en-US"/>
+          </a:p>
+        </p:txBody>
+      </p:sp>
+      <p:sp>
+        <p:nvSpPr>
+          <p:cNvPr id="6" name="Footer Placeholder 5"/>
+          <p:cNvSpPr>
+            <a:spLocks noGrp="1"/>
+          </p:cNvSpPr>
+          <p:nvPr>
+            <p:ph type="ftr" sz="quarter" idx="4"/>
+          </p:nvPr>
+        </p:nvSpPr>
+        <p:spPr>
+          <a:xfrm>
+            <a:off x="0" y="8685213"/>
+            <a:ext cx="2971800" cy="457200"/>
+          </a:xfrm>
+          <a:prstGeom prst="rect">
+            <a:avLst/>
+          </a:prstGeom>
+        </p:spPr>
+        <p:txBody>
+          <a:bodyPr vert="horz" lIns="91440" tIns="45720" rIns="91440" bIns="45720" rtlCol="0" anchor="b"/>
+          <a:lstStyle>
+            <a:lvl1pPr algn="l">
+              <a:defRPr sz="1200"/>
+            </a:lvl1pPr>
+          </a:lstStyle>
+          <a:p>
+            <a:endParaRPr lang="en-US"/>
+          </a:p>
+        </p:txBody>
+      </p:sp>
+      <p:sp>
+        <p:nvSpPr>
+          <p:cNvPr id="7" name="Slide Number Placeholder 6"/>
+          <p:cNvSpPr>
+            <a:spLocks noGrp="1"/>
+          </p:cNvSpPr>
+          <p:nvPr>
+            <p:ph type="sldNum" sz="quarter" idx="5"/>
+          </p:nvPr>
+        </p:nvSpPr>
+        <p:spPr>
+          <a:xfrm>
+            <a:off x="3884613" y="8685213"/>
+            <a:ext cx="2971800" cy="457200"/>
+          </a:xfrm>
+          <a:prstGeom prst="rect">
+            <a:avLst/>
+          </a:prstGeom>
+        </p:spPr>
+        <p:txBody>
+          <a:bodyPr vert="horz" lIns="91440" tIns="45720" rIns="91440" bIns="45720" rtlCol="0" anchor="b"/>
+          <a:lstStyle>
+            <a:lvl1pPr algn="r">
+              <a:defRPr sz="1200"/>
+            </a:lvl1pPr>
+          </a:lstStyle>
+          <a:p>
+            <a:fld id="{87118AC7-10CD-48E7-A543-1810C10BD52F}" type="slidenum">
+              <a:rPr lang="en-US" smtClean="0"/>
+              <a:t>‹#›</a:t>
+            </a:fld>
+            <a:endParaRPr lang="en-US"/>
+          </a:p>
+        </p:txBody>
+      </p:sp>
+    </p:spTree>
+    <p:extLst>
+      <p:ext uri="{BB962C8B-B14F-4D97-AF65-F5344CB8AC3E}">
+        <p14:creationId xmlns:p14="http://schemas.microsoft.com/office/powerpoint/2010/main" val="1548320733"/>
+      </p:ext>
+    </p:extLst>
+  </p:cSld>
+  <p:clrMap bg1="lt1" tx1="dk1" bg2="lt2" tx2="dk2" accent1="accent1" accent2="accent2" accent3="accent3" accent4="accent4" accent5="accent5" accent6="accent6" hlink="hlink" folHlink="folHlink"/>
+  <p:notesStyle>
+    <a:lvl1pPr marL="0" algn="l" defTabSz="914400" rtl="0" eaLnBrk="1" latinLnBrk="0" hangingPunct="1">
+      <a:defRPr sz="1200" kern="1200">
+        <a:solidFill>
+          <a:schemeClr val="tx1"/>
+        </a:solidFill>
+        <a:latin typeface="+mn-lt"/>
+        <a:ea typeface="+mn-ea"/>
+        <a:cs typeface="+mn-cs"/>
+      </a:defRPr>
+    </a:lvl1pPr>
+    <a:lvl2pPr marL="457200" algn="l" defTabSz="914400" rtl="0" eaLnBrk="1" latinLnBrk="0" hangingPunct="1">
+      <a:defRPr sz="1200" kern="1200">
+        <a:solidFill>
+          <a:schemeClr val="tx1"/>
+        </a:solidFill>
+        <a:latin typeface="+mn-lt"/>
+        <a:ea typeface="+mn-ea"/>
+        <a:cs typeface="+mn-cs"/>
+      </a:defRPr>
+    </a:lvl2pPr>
+    <a:lvl3pPr marL="914400" algn="l" defTabSz="914400" rtl="0" eaLnBrk="1" latinLnBrk="0" hangingPunct="1">
+      <a:defRPr sz="1200" kern="1200">
+        <a:solidFill>
+          <a:schemeClr val="tx1"/>
+        </a:solidFill>
+        <a:latin typeface="+mn-lt"/>
+        <a:ea typeface="+mn-ea"/>
+        <a:cs typeface="+mn-cs"/>
+      </a:defRPr>
+    </a:lvl3pPr>
+    <a:lvl4pPr marL="1371600" algn="l" defTabSz="914400" rtl="0" eaLnBrk="1" latinLnBrk="0" hangingPunct="1">
+      <a:defRPr sz="1200" kern="1200">
+        <a:solidFill>
+          <a:schemeClr val="tx1"/>
+        </a:solidFill>
+        <a:latin typeface="+mn-lt"/>
+        <a:ea typeface="+mn-ea"/>
+        <a:cs typeface="+mn-cs"/>
+      </a:defRPr>
+    </a:lvl4pPr>
+    <a:lvl5pPr marL="1828800" algn="l" defTabSz="914400" rtl="0" eaLnBrk="1" latinLnBrk="0" hangingPunct="1">
+      <a:defRPr sz="1200" kern="1200">
+        <a:solidFill>
+          <a:schemeClr val="tx1"/>
+        </a:solidFill>
+        <a:latin typeface="+mn-lt"/>
+        <a:ea typeface="+mn-ea"/>
+        <a:cs typeface="+mn-cs"/>
+      </a:defRPr>
+    </a:lvl5pPr>
+    <a:lvl6pPr marL="2286000" algn="l" defTabSz="914400" rtl="0" eaLnBrk="1" latinLnBrk="0" hangingPunct="1">
+      <a:defRPr sz="1200" kern="1200">
+        <a:solidFill>
+          <a:schemeClr val="tx1"/>
+        </a:solidFill>
+        <a:latin typeface="+mn-lt"/>
+        <a:ea typeface="+mn-ea"/>
+        <a:cs typeface="+mn-cs"/>
+      </a:defRPr>
+    </a:lvl6pPr>
+    <a:lvl7pPr marL="2743200" algn="l" defTabSz="914400" rtl="0" eaLnBrk="1" latinLnBrk="0" hangingPunct="1">
+      <a:defRPr sz="1200" kern="1200">
+        <a:solidFill>
+          <a:schemeClr val="tx1"/>
+        </a:solidFill>
+        <a:latin typeface="+mn-lt"/>
+        <a:ea typeface="+mn-ea"/>
+        <a:cs typeface="+mn-cs"/>
+      </a:defRPr>
+    </a:lvl7pPr>
+    <a:lvl8pPr marL="3200400" algn="l" defTabSz="914400" rtl="0" eaLnBrk="1" latinLnBrk="0" hangingPunct="1">
+      <a:defRPr sz="1200" kern="1200">
+        <a:solidFill>
+          <a:schemeClr val="tx1"/>
+        </a:solidFill>
+        <a:latin typeface="+mn-lt"/>
+        <a:ea typeface="+mn-ea"/>
+        <a:cs typeface="+mn-cs"/>
+      </a:defRPr>
+    </a:lvl8pPr>
+    <a:lvl9pPr marL="3657600" algn="l" defTabSz="914400" rtl="0" eaLnBrk="1" latinLnBrk="0" hangingPunct="1">
+      <a:defRPr sz="1200" kern="1200">
+        <a:solidFill>
+          <a:schemeClr val="tx1"/>
+        </a:solidFill>
+        <a:latin typeface="+mn-lt"/>
+        <a:ea typeface="+mn-ea"/>
+        <a:cs typeface="+mn-cs"/>
+      </a:defRPr>
+    </a:lvl9pPr>
+  </p:notesStyle>
+</p:notesMaster>
+</file>
+
+<file path=ppt/notesSlides/notesSlide1.xml><?xml version="1.0" encoding="utf-8"?>
+<p:notes xmlns:a="http://schemas.openxmlformats.org/drawingml/2006/main" xmlns:r="http://schemas.openxmlformats.org/officeDocument/2006/relationships" xmlns:p="http://schemas.openxmlformats.org/presentationml/2006/main">
+  <p:cSld>
+    <p:spTree>
+      <p:nvGrpSpPr>
+        <p:cNvPr id="1" name=""/>
+        <p:cNvGrpSpPr/>
+        <p:nvPr/>
+      </p:nvGrpSpPr>
+      <p:grpSpPr>
+        <a:xfrm>
+          <a:off x="0" y="0"/>
+          <a:ext cx="0" cy="0"/>
+          <a:chOff x="0" y="0"/>
+          <a:chExt cx="0" cy="0"/>
+        </a:xfrm>
+      </p:grpSpPr>
+      <p:sp>
+        <p:nvSpPr>
+          <p:cNvPr id="2" name="Slide Image Placeholder 1"/>
+          <p:cNvSpPr>
+            <a:spLocks noGrp="1" noRot="1" noChangeAspect="1"/>
+          </p:cNvSpPr>
+          <p:nvPr>
+            <p:ph type="sldImg"/>
+          </p:nvPr>
+        </p:nvSpPr>
+        <p:spPr/>
+      </p:sp>
+      <p:sp>
+        <p:nvSpPr>
+          <p:cNvPr id="3" name="Notes Placeholder 2"/>
+          <p:cNvSpPr>
+            <a:spLocks noGrp="1"/>
+          </p:cNvSpPr>
+          <p:nvPr>
+            <p:ph type="body" idx="1"/>
+          </p:nvPr>
+        </p:nvSpPr>
+        <p:spPr/>
+        <p:txBody>
+          <a:bodyPr/>
+          <a:lstStyle/>
+          <a:p>
+            <a:pPr marL="0" marR="0" indent="0" algn="l" defTabSz="914400" rtl="0" eaLnBrk="1" fontAlgn="auto" latinLnBrk="0" hangingPunct="1">
+              <a:lnSpc>
+                <a:spcPct val="100000"/>
+              </a:lnSpc>
+              <a:spcBef>
+                <a:spcPts val="0"/>
+              </a:spcBef>
+              <a:spcAft>
+                <a:spcPts val="0"/>
+              </a:spcAft>
+              <a:buClrTx/>
+              <a:buSzTx/>
+              <a:buFontTx/>
+              <a:buNone/>
+              <a:tabLst/>
+              <a:defRPr/>
+            </a:pPr>
+            <a:r>
+              <a:rPr lang="en-US" dirty="0" smtClean="0"/>
+              <a:t>To</a:t>
+            </a:r>
+            <a:r>
+              <a:rPr lang="en-US" baseline="0" dirty="0" smtClean="0"/>
+              <a:t> make a “Wedgie”, start with one of the existing pages and rotate the yellow rectangle to the desired angle, and then reposition the yellow rectangle such that the upper left corner of the yellow rectangle is coincident with the upper left corner of the blue rectangle.  Then make a duplicate of the page, click on the blue rectangle and subtract the yellow rectangle.  Delete the text description of the angle, save the PDF, convert to STL and print </a:t>
+            </a:r>
+            <a:r>
+              <a:rPr lang="en-US" baseline="0" smtClean="0"/>
+              <a:t>the Wedgie,</a:t>
+            </a:r>
+            <a:endParaRPr lang="en-US" dirty="0" smtClean="0"/>
+          </a:p>
+          <a:p>
+            <a:endParaRPr lang="en-US" dirty="0"/>
+          </a:p>
+        </p:txBody>
+      </p:sp>
+      <p:sp>
+        <p:nvSpPr>
+          <p:cNvPr id="4" name="Slide Number Placeholder 3"/>
+          <p:cNvSpPr>
+            <a:spLocks noGrp="1"/>
+          </p:cNvSpPr>
+          <p:nvPr>
+            <p:ph type="sldNum" sz="quarter" idx="10"/>
+          </p:nvPr>
+        </p:nvSpPr>
+        <p:spPr/>
+        <p:txBody>
+          <a:bodyPr/>
+          <a:lstStyle/>
+          <a:p>
+            <a:fld id="{87118AC7-10CD-48E7-A543-1810C10BD52F}" type="slidenum">
+              <a:rPr lang="en-US" smtClean="0"/>
+              <a:t>1</a:t>
+            </a:fld>
+            <a:endParaRPr lang="en-US"/>
+          </a:p>
+        </p:txBody>
+      </p:sp>
+    </p:spTree>
+    <p:extLst>
+      <p:ext uri="{BB962C8B-B14F-4D97-AF65-F5344CB8AC3E}">
+        <p14:creationId xmlns:p14="http://schemas.microsoft.com/office/powerpoint/2010/main" val="1365641017"/>
+      </p:ext>
+    </p:extLst>
+  </p:cSld>
+  <p:clrMapOvr>
+    <a:masterClrMapping/>
+  </p:clrMapOvr>
+</p:notes>
+</file>
+
+<file path=ppt/notesSlides/notesSlide2.xml><?xml version="1.0" encoding="utf-8"?>
+<p:notes xmlns:a="http://schemas.openxmlformats.org/drawingml/2006/main" xmlns:r="http://schemas.openxmlformats.org/officeDocument/2006/relationships" xmlns:p="http://schemas.openxmlformats.org/presentationml/2006/main">
+  <p:cSld>
+    <p:spTree>
+      <p:nvGrpSpPr>
+        <p:cNvPr id="1" name=""/>
+        <p:cNvGrpSpPr/>
+        <p:nvPr/>
+      </p:nvGrpSpPr>
+      <p:grpSpPr>
+        <a:xfrm>
+          <a:off x="0" y="0"/>
+          <a:ext cx="0" cy="0"/>
+          <a:chOff x="0" y="0"/>
+          <a:chExt cx="0" cy="0"/>
+        </a:xfrm>
+      </p:grpSpPr>
+      <p:sp>
+        <p:nvSpPr>
+          <p:cNvPr id="2" name="Slide Image Placeholder 1"/>
+          <p:cNvSpPr>
+            <a:spLocks noGrp="1" noRot="1" noChangeAspect="1"/>
+          </p:cNvSpPr>
+          <p:nvPr>
+            <p:ph type="sldImg"/>
+          </p:nvPr>
+        </p:nvSpPr>
+        <p:spPr/>
+      </p:sp>
+      <p:sp>
+        <p:nvSpPr>
+          <p:cNvPr id="3" name="Notes Placeholder 2"/>
+          <p:cNvSpPr>
+            <a:spLocks noGrp="1"/>
+          </p:cNvSpPr>
+          <p:nvPr>
+            <p:ph type="body" idx="1"/>
+          </p:nvPr>
+        </p:nvSpPr>
+        <p:spPr/>
+        <p:txBody>
+          <a:bodyPr/>
+          <a:lstStyle/>
+          <a:p>
+            <a:endParaRPr lang="en-US" dirty="0"/>
+          </a:p>
+        </p:txBody>
+      </p:sp>
+      <p:sp>
+        <p:nvSpPr>
+          <p:cNvPr id="4" name="Slide Number Placeholder 3"/>
+          <p:cNvSpPr>
+            <a:spLocks noGrp="1"/>
+          </p:cNvSpPr>
+          <p:nvPr>
+            <p:ph type="sldNum" sz="quarter" idx="10"/>
+          </p:nvPr>
+        </p:nvSpPr>
+        <p:spPr/>
+        <p:txBody>
+          <a:bodyPr/>
+          <a:lstStyle/>
+          <a:p>
+            <a:fld id="{87118AC7-10CD-48E7-A543-1810C10BD52F}" type="slidenum">
+              <a:rPr lang="en-US" smtClean="0"/>
+              <a:t>5</a:t>
+            </a:fld>
+            <a:endParaRPr lang="en-US"/>
+          </a:p>
+        </p:txBody>
+      </p:sp>
+    </p:spTree>
+    <p:extLst>
+      <p:ext uri="{BB962C8B-B14F-4D97-AF65-F5344CB8AC3E}">
+        <p14:creationId xmlns:p14="http://schemas.microsoft.com/office/powerpoint/2010/main" val="1520539337"/>
+      </p:ext>
+    </p:extLst>
+  </p:cSld>
+  <p:clrMapOvr>
+    <a:masterClrMapping/>
+  </p:clrMapOvr>
+</p:notes>
+</file>
+
 <file path=ppt/slideLayouts/slideLayout1.xml><?xml version="1.0" encoding="utf-8"?>
 <p:sldLayout xmlns:a="http://schemas.openxmlformats.org/drawingml/2006/main" xmlns:r="http://schemas.openxmlformats.org/officeDocument/2006/relationships" xmlns:p="http://schemas.openxmlformats.org/presentationml/2006/main" type="title" preserve="1">
   <p:cSld name="Title Slide">
@@ -295,7 +845,7 @@
           <a:p>
             <a:fld id="{FD5CF9DB-BA81-4BF8-B953-EDBBD2B63E44}" type="datetimeFigureOut">
               <a:rPr lang="en-US" smtClean="0"/>
-              <a:t>8/10/2021</a:t>
+              <a:t>8/20/2021</a:t>
             </a:fld>
             <a:endParaRPr lang="en-US"/>
           </a:p>
@@ -465,7 +1015,7 @@
           <a:p>
             <a:fld id="{FD5CF9DB-BA81-4BF8-B953-EDBBD2B63E44}" type="datetimeFigureOut">
               <a:rPr lang="en-US" smtClean="0"/>
-              <a:t>8/10/2021</a:t>
+              <a:t>8/20/2021</a:t>
             </a:fld>
             <a:endParaRPr lang="en-US"/>
           </a:p>
@@ -645,7 +1195,7 @@
           <a:p>
             <a:fld id="{FD5CF9DB-BA81-4BF8-B953-EDBBD2B63E44}" type="datetimeFigureOut">
               <a:rPr lang="en-US" smtClean="0"/>
-              <a:t>8/10/2021</a:t>
+              <a:t>8/20/2021</a:t>
             </a:fld>
             <a:endParaRPr lang="en-US"/>
           </a:p>
@@ -815,7 +1365,7 @@
           <a:p>
             <a:fld id="{FD5CF9DB-BA81-4BF8-B953-EDBBD2B63E44}" type="datetimeFigureOut">
               <a:rPr lang="en-US" smtClean="0"/>
-              <a:t>8/10/2021</a:t>
+              <a:t>8/20/2021</a:t>
             </a:fld>
             <a:endParaRPr lang="en-US"/>
           </a:p>
@@ -1061,7 +1611,7 @@
           <a:p>
             <a:fld id="{FD5CF9DB-BA81-4BF8-B953-EDBBD2B63E44}" type="datetimeFigureOut">
               <a:rPr lang="en-US" smtClean="0"/>
-              <a:t>8/10/2021</a:t>
+              <a:t>8/20/2021</a:t>
             </a:fld>
             <a:endParaRPr lang="en-US"/>
           </a:p>
@@ -1349,7 +1899,7 @@
           <a:p>
             <a:fld id="{FD5CF9DB-BA81-4BF8-B953-EDBBD2B63E44}" type="datetimeFigureOut">
               <a:rPr lang="en-US" smtClean="0"/>
-              <a:t>8/10/2021</a:t>
+              <a:t>8/20/2021</a:t>
             </a:fld>
             <a:endParaRPr lang="en-US"/>
           </a:p>
@@ -1771,7 +2321,7 @@
           <a:p>
             <a:fld id="{FD5CF9DB-BA81-4BF8-B953-EDBBD2B63E44}" type="datetimeFigureOut">
               <a:rPr lang="en-US" smtClean="0"/>
-              <a:t>8/10/2021</a:t>
+              <a:t>8/20/2021</a:t>
             </a:fld>
             <a:endParaRPr lang="en-US"/>
           </a:p>
@@ -1889,7 +2439,7 @@
           <a:p>
             <a:fld id="{FD5CF9DB-BA81-4BF8-B953-EDBBD2B63E44}" type="datetimeFigureOut">
               <a:rPr lang="en-US" smtClean="0"/>
-              <a:t>8/10/2021</a:t>
+              <a:t>8/20/2021</a:t>
             </a:fld>
             <a:endParaRPr lang="en-US"/>
           </a:p>
@@ -1984,7 +2534,7 @@
           <a:p>
             <a:fld id="{FD5CF9DB-BA81-4BF8-B953-EDBBD2B63E44}" type="datetimeFigureOut">
               <a:rPr lang="en-US" smtClean="0"/>
-              <a:t>8/10/2021</a:t>
+              <a:t>8/20/2021</a:t>
             </a:fld>
             <a:endParaRPr lang="en-US"/>
           </a:p>
@@ -2261,7 +2811,7 @@
           <a:p>
             <a:fld id="{FD5CF9DB-BA81-4BF8-B953-EDBBD2B63E44}" type="datetimeFigureOut">
               <a:rPr lang="en-US" smtClean="0"/>
-              <a:t>8/10/2021</a:t>
+              <a:t>8/20/2021</a:t>
             </a:fld>
             <a:endParaRPr lang="en-US"/>
           </a:p>
@@ -2514,7 +3064,7 @@
           <a:p>
             <a:fld id="{FD5CF9DB-BA81-4BF8-B953-EDBBD2B63E44}" type="datetimeFigureOut">
               <a:rPr lang="en-US" smtClean="0"/>
-              <a:t>8/10/2021</a:t>
+              <a:t>8/20/2021</a:t>
             </a:fld>
             <a:endParaRPr lang="en-US"/>
           </a:p>
@@ -2727,7 +3277,7 @@
           <a:p>
             <a:fld id="{FD5CF9DB-BA81-4BF8-B953-EDBBD2B63E44}" type="datetimeFigureOut">
               <a:rPr lang="en-US" smtClean="0"/>
-              <a:t>8/10/2021</a:t>
+              <a:t>8/20/2021</a:t>
             </a:fld>
             <a:endParaRPr lang="en-US"/>
           </a:p>
@@ -3195,129 +3745,6 @@
           </a:p>
         </p:txBody>
       </p:sp>
-    </p:spTree>
-    <p:extLst>
-      <p:ext uri="{BB962C8B-B14F-4D97-AF65-F5344CB8AC3E}">
-        <p14:creationId xmlns:p14="http://schemas.microsoft.com/office/powerpoint/2010/main" val="1350904014"/>
-      </p:ext>
-    </p:extLst>
-  </p:cSld>
-  <p:clrMapOvr>
-    <a:masterClrMapping/>
-  </p:clrMapOvr>
-</p:sld>
-</file>
-
-<file path=ppt/slides/slide2.xml><?xml version="1.0" encoding="utf-8"?>
-<p:sld xmlns:a="http://schemas.openxmlformats.org/drawingml/2006/main" xmlns:r="http://schemas.openxmlformats.org/officeDocument/2006/relationships" xmlns:p="http://schemas.openxmlformats.org/presentationml/2006/main">
-  <p:cSld>
-    <p:spTree>
-      <p:nvGrpSpPr>
-        <p:cNvPr id="1" name=""/>
-        <p:cNvGrpSpPr/>
-        <p:nvPr/>
-      </p:nvGrpSpPr>
-      <p:grpSpPr>
-        <a:xfrm>
-          <a:off x="0" y="0"/>
-          <a:ext cx="0" cy="0"/>
-          <a:chOff x="0" y="0"/>
-          <a:chExt cx="0" cy="0"/>
-        </a:xfrm>
-      </p:grpSpPr>
-      <p:sp>
-        <p:nvSpPr>
-          <p:cNvPr id="4" name="Rectangle 3"/>
-          <p:cNvSpPr/>
-          <p:nvPr/>
-        </p:nvSpPr>
-        <p:spPr>
-          <a:xfrm>
-            <a:off x="914400" y="914400"/>
-            <a:ext cx="4267200" cy="1752600"/>
-          </a:xfrm>
-          <a:prstGeom prst="rect">
-            <a:avLst/>
-          </a:prstGeom>
-          <a:ln>
-            <a:noFill/>
-          </a:ln>
-        </p:spPr>
-        <p:style>
-          <a:lnRef idx="2">
-            <a:schemeClr val="accent1">
-              <a:shade val="50000"/>
-            </a:schemeClr>
-          </a:lnRef>
-          <a:fillRef idx="1">
-            <a:schemeClr val="accent1"/>
-          </a:fillRef>
-          <a:effectRef idx="0">
-            <a:schemeClr val="accent1"/>
-          </a:effectRef>
-          <a:fontRef idx="minor">
-            <a:schemeClr val="lt1"/>
-          </a:fontRef>
-        </p:style>
-        <p:txBody>
-          <a:bodyPr rtlCol="0" anchor="ctr"/>
-          <a:lstStyle/>
-          <a:p>
-            <a:pPr algn="ctr"/>
-            <a:endParaRPr lang="en-US"/>
-          </a:p>
-        </p:txBody>
-      </p:sp>
-      <p:sp>
-        <p:nvSpPr>
-          <p:cNvPr id="5" name="Rectangle 4"/>
-          <p:cNvSpPr/>
-          <p:nvPr/>
-        </p:nvSpPr>
-        <p:spPr>
-          <a:xfrm rot="300000">
-            <a:off x="785594" y="1164725"/>
-            <a:ext cx="5867400" cy="2819400"/>
-          </a:xfrm>
-          <a:prstGeom prst="rect">
-            <a:avLst/>
-          </a:prstGeom>
-          <a:solidFill>
-            <a:srgbClr val="FFC000"/>
-          </a:solidFill>
-          <a:ln>
-            <a:noFill/>
-          </a:ln>
-        </p:spPr>
-        <p:style>
-          <a:lnRef idx="2">
-            <a:schemeClr val="accent1">
-              <a:shade val="50000"/>
-            </a:schemeClr>
-          </a:lnRef>
-          <a:fillRef idx="1">
-            <a:schemeClr val="accent1"/>
-          </a:fillRef>
-          <a:effectRef idx="0">
-            <a:schemeClr val="accent1"/>
-          </a:effectRef>
-          <a:fontRef idx="minor">
-            <a:schemeClr val="lt1"/>
-          </a:fontRef>
-        </p:style>
-        <p:txBody>
-          <a:bodyPr rtlCol="0" anchor="ctr"/>
-          <a:lstStyle/>
-          <a:p>
-            <a:pPr algn="ctr"/>
-            <a:endParaRPr lang="en-US">
-              <a:solidFill>
-                <a:srgbClr val="FFFF00"/>
-              </a:solidFill>
-            </a:endParaRPr>
-          </a:p>
-        </p:txBody>
-      </p:sp>
       <p:sp>
         <p:nvSpPr>
           <p:cNvPr id="2" name="TextBox 1"/>
@@ -3367,7 +3794,7 @@
 </p:sld>
 </file>
 
-<file path=ppt/slides/slide3.xml><?xml version="1.0" encoding="utf-8"?>
+<file path=ppt/slides/slide2.xml><?xml version="1.0" encoding="utf-8"?>
 <p:sld xmlns:a="http://schemas.openxmlformats.org/drawingml/2006/main" xmlns:r="http://schemas.openxmlformats.org/officeDocument/2006/relationships" xmlns:p="http://schemas.openxmlformats.org/presentationml/2006/main">
   <p:cSld>
     <p:spTree>
@@ -3526,7 +3953,7 @@
 </p:sld>
 </file>
 
-<file path=ppt/slides/slide4.xml><?xml version="1.0" encoding="utf-8"?>
+<file path=ppt/slides/slide3.xml><?xml version="1.0" encoding="utf-8"?>
 <p:sld xmlns:a="http://schemas.openxmlformats.org/drawingml/2006/main" xmlns:r="http://schemas.openxmlformats.org/officeDocument/2006/relationships" xmlns:p="http://schemas.openxmlformats.org/presentationml/2006/main">
   <p:cSld>
     <p:spTree>
@@ -3685,7 +4112,7 @@
 </p:sld>
 </file>
 
-<file path=ppt/slides/slide5.xml><?xml version="1.0" encoding="utf-8"?>
+<file path=ppt/slides/slide4.xml><?xml version="1.0" encoding="utf-8"?>
 <p:sld xmlns:a="http://schemas.openxmlformats.org/drawingml/2006/main" xmlns:r="http://schemas.openxmlformats.org/officeDocument/2006/relationships" xmlns:p="http://schemas.openxmlformats.org/presentationml/2006/main">
   <p:cSld>
     <p:spTree>
@@ -3844,7 +4271,7 @@
 </p:sld>
 </file>
 
-<file path=ppt/slides/slide6.xml><?xml version="1.0" encoding="utf-8"?>
+<file path=ppt/slides/slide5.xml><?xml version="1.0" encoding="utf-8"?>
 <p:sld xmlns:a="http://schemas.openxmlformats.org/drawingml/2006/main" xmlns:r="http://schemas.openxmlformats.org/officeDocument/2006/relationships" xmlns:p="http://schemas.openxmlformats.org/presentationml/2006/main">
   <p:cSld>
     <p:spTree>
@@ -3956,14 +4383,14 @@
       </p:sp>
       <p:sp>
         <p:nvSpPr>
-          <p:cNvPr id="2" name="TextBox 1"/>
+          <p:cNvPr id="6" name="TextBox 5"/>
           <p:cNvSpPr txBox="1"/>
           <p:nvPr/>
         </p:nvSpPr>
         <p:spPr>
           <a:xfrm>
-            <a:off x="2895600" y="1143000"/>
-            <a:ext cx="2107986" cy="830997"/>
+            <a:off x="6705600" y="457200"/>
+            <a:ext cx="2057400" cy="830997"/>
           </a:xfrm>
           <a:prstGeom prst="rect">
             <a:avLst/>
@@ -3981,7 +4408,7 @@
                 <a:latin typeface="Arial" panose="020B0604020202020204" pitchFamily="34" charset="0"/>
                 <a:cs typeface="Arial" panose="020B0604020202020204" pitchFamily="34" charset="0"/>
               </a:rPr>
-              <a:t>36.86°</a:t>
+              <a:t>38.86</a:t>
             </a:r>
             <a:endParaRPr lang="en-US" sz="4800" b="1" dirty="0">
               <a:latin typeface="Arial" panose="020B0604020202020204" pitchFamily="34" charset="0"/>
@@ -3994,203 +4421,6 @@
     <p:extLst>
       <p:ext uri="{BB962C8B-B14F-4D97-AF65-F5344CB8AC3E}">
         <p14:creationId xmlns:p14="http://schemas.microsoft.com/office/powerpoint/2010/main" val="1925791811"/>
-      </p:ext>
-    </p:extLst>
-  </p:cSld>
-  <p:clrMapOvr>
-    <a:masterClrMapping/>
-  </p:clrMapOvr>
-</p:sld>
-</file>
-
-<file path=ppt/slides/slide7.xml><?xml version="1.0" encoding="utf-8"?>
-<p:sld xmlns:a="http://schemas.openxmlformats.org/drawingml/2006/main" xmlns:r="http://schemas.openxmlformats.org/officeDocument/2006/relationships" xmlns:p="http://schemas.openxmlformats.org/presentationml/2006/main">
-  <p:cSld>
-    <p:spTree>
-      <p:nvGrpSpPr>
-        <p:cNvPr id="1" name=""/>
-        <p:cNvGrpSpPr/>
-        <p:nvPr/>
-      </p:nvGrpSpPr>
-      <p:grpSpPr>
-        <a:xfrm>
-          <a:off x="0" y="0"/>
-          <a:ext cx="0" cy="0"/>
-          <a:chOff x="0" y="0"/>
-          <a:chExt cx="0" cy="0"/>
-        </a:xfrm>
-      </p:grpSpPr>
-      <p:sp>
-        <p:nvSpPr>
-          <p:cNvPr id="4" name="Rectangle 3"/>
-          <p:cNvSpPr/>
-          <p:nvPr/>
-        </p:nvSpPr>
-        <p:spPr>
-          <a:xfrm>
-            <a:off x="914401" y="914400"/>
-            <a:ext cx="4217158" cy="3048000"/>
-          </a:xfrm>
-          <a:custGeom>
-            <a:avLst/>
-            <a:gdLst/>
-            <a:ahLst/>
-            <a:cxnLst/>
-            <a:rect l="l" t="t" r="r" b="b"/>
-            <a:pathLst>
-              <a:path w="4217158" h="3048000">
-                <a:moveTo>
-                  <a:pt x="0" y="0"/>
-                </a:moveTo>
-                <a:lnTo>
-                  <a:pt x="4217158" y="0"/>
-                </a:lnTo>
-                <a:lnTo>
-                  <a:pt x="4217158" y="3048000"/>
-                </a:lnTo>
-                <a:lnTo>
-                  <a:pt x="4187712" y="3048000"/>
-                </a:lnTo>
-                <a:lnTo>
-                  <a:pt x="9533" y="12375"/>
-                </a:lnTo>
-                <a:lnTo>
-                  <a:pt x="0" y="25496"/>
-                </a:lnTo>
-                <a:close/>
-              </a:path>
-            </a:pathLst>
-          </a:custGeom>
-          <a:ln>
-            <a:noFill/>
-          </a:ln>
-        </p:spPr>
-        <p:style>
-          <a:lnRef idx="2">
-            <a:schemeClr val="accent1">
-              <a:shade val="50000"/>
-            </a:schemeClr>
-          </a:lnRef>
-          <a:fillRef idx="1">
-            <a:schemeClr val="accent1"/>
-          </a:fillRef>
-          <a:effectRef idx="0">
-            <a:schemeClr val="accent1"/>
-          </a:effectRef>
-          <a:fontRef idx="minor">
-            <a:schemeClr val="lt1"/>
-          </a:fontRef>
-        </p:style>
-        <p:txBody>
-          <a:bodyPr rtlCol="0" anchor="ctr"/>
-          <a:lstStyle/>
-          <a:p>
-            <a:pPr algn="ctr"/>
-            <a:endParaRPr lang="en-US"/>
-          </a:p>
-        </p:txBody>
-      </p:sp>
-    </p:spTree>
-    <p:extLst>
-      <p:ext uri="{BB962C8B-B14F-4D97-AF65-F5344CB8AC3E}">
-        <p14:creationId xmlns:p14="http://schemas.microsoft.com/office/powerpoint/2010/main" val="3628406262"/>
-      </p:ext>
-    </p:extLst>
-  </p:cSld>
-  <p:clrMapOvr>
-    <a:masterClrMapping/>
-  </p:clrMapOvr>
-</p:sld>
-</file>
-
-<file path=ppt/slides/slide8.xml><?xml version="1.0" encoding="utf-8"?>
-<p:sld xmlns:a="http://schemas.openxmlformats.org/drawingml/2006/main" xmlns:r="http://schemas.openxmlformats.org/officeDocument/2006/relationships" xmlns:p="http://schemas.openxmlformats.org/presentationml/2006/main">
-  <p:cSld>
-    <p:spTree>
-      <p:nvGrpSpPr>
-        <p:cNvPr id="1" name=""/>
-        <p:cNvGrpSpPr/>
-        <p:nvPr/>
-      </p:nvGrpSpPr>
-      <p:grpSpPr>
-        <a:xfrm>
-          <a:off x="0" y="0"/>
-          <a:ext cx="0" cy="0"/>
-          <a:chOff x="0" y="0"/>
-          <a:chExt cx="0" cy="0"/>
-        </a:xfrm>
-      </p:grpSpPr>
-      <p:sp>
-        <p:nvSpPr>
-          <p:cNvPr id="4" name="Rectangle 3"/>
-          <p:cNvSpPr/>
-          <p:nvPr/>
-        </p:nvSpPr>
-        <p:spPr>
-          <a:xfrm>
-            <a:off x="914400" y="914400"/>
-            <a:ext cx="4267200" cy="908000"/>
-          </a:xfrm>
-          <a:custGeom>
-            <a:avLst/>
-            <a:gdLst/>
-            <a:ahLst/>
-            <a:cxnLst/>
-            <a:rect l="l" t="t" r="r" b="b"/>
-            <a:pathLst>
-              <a:path w="4267200" h="908000">
-                <a:moveTo>
-                  <a:pt x="0" y="0"/>
-                </a:moveTo>
-                <a:lnTo>
-                  <a:pt x="4267200" y="0"/>
-                </a:lnTo>
-                <a:lnTo>
-                  <a:pt x="4267200" y="908000"/>
-                </a:lnTo>
-                <a:lnTo>
-                  <a:pt x="1431" y="1283"/>
-                </a:lnTo>
-                <a:lnTo>
-                  <a:pt x="0" y="8013"/>
-                </a:lnTo>
-                <a:close/>
-              </a:path>
-            </a:pathLst>
-          </a:custGeom>
-          <a:ln>
-            <a:noFill/>
-          </a:ln>
-        </p:spPr>
-        <p:style>
-          <a:lnRef idx="2">
-            <a:schemeClr val="accent1">
-              <a:shade val="50000"/>
-            </a:schemeClr>
-          </a:lnRef>
-          <a:fillRef idx="1">
-            <a:schemeClr val="accent1"/>
-          </a:fillRef>
-          <a:effectRef idx="0">
-            <a:schemeClr val="accent1"/>
-          </a:effectRef>
-          <a:fontRef idx="minor">
-            <a:schemeClr val="lt1"/>
-          </a:fontRef>
-        </p:style>
-        <p:txBody>
-          <a:bodyPr rtlCol="0" anchor="ctr"/>
-          <a:lstStyle/>
-          <a:p>
-            <a:pPr algn="ctr"/>
-            <a:endParaRPr lang="en-US"/>
-          </a:p>
-        </p:txBody>
-      </p:sp>
-    </p:spTree>
-    <p:extLst>
-      <p:ext uri="{BB962C8B-B14F-4D97-AF65-F5344CB8AC3E}">
-        <p14:creationId xmlns:p14="http://schemas.microsoft.com/office/powerpoint/2010/main" val="3846921780"/>
       </p:ext>
     </p:extLst>
   </p:cSld>
@@ -4483,4 +4713,289 @@
   <a:objectDefaults/>
   <a:extraClrSchemeLst/>
 </a:theme>
+</file>
+
+<file path=ppt/theme/theme2.xml><?xml version="1.0" encoding="utf-8"?>
+<a:theme xmlns:a="http://schemas.openxmlformats.org/drawingml/2006/main" name="Office Theme">
+  <a:themeElements>
+    <a:clrScheme name="Office">
+      <a:dk1>
+        <a:sysClr val="windowText" lastClr="000000"/>
+      </a:dk1>
+      <a:lt1>
+        <a:sysClr val="window" lastClr="FFFFFF"/>
+      </a:lt1>
+      <a:dk2>
+        <a:srgbClr val="1F497D"/>
+      </a:dk2>
+      <a:lt2>
+        <a:srgbClr val="EEECE1"/>
+      </a:lt2>
+      <a:accent1>
+        <a:srgbClr val="4F81BD"/>
+      </a:accent1>
+      <a:accent2>
+        <a:srgbClr val="C0504D"/>
+      </a:accent2>
+      <a:accent3>
+        <a:srgbClr val="9BBB59"/>
+      </a:accent3>
+      <a:accent4>
+        <a:srgbClr val="8064A2"/>
+      </a:accent4>
+      <a:accent5>
+        <a:srgbClr val="4BACC6"/>
+      </a:accent5>
+      <a:accent6>
+        <a:srgbClr val="F79646"/>
+      </a:accent6>
+      <a:hlink>
+        <a:srgbClr val="0000FF"/>
+      </a:hlink>
+      <a:folHlink>
+        <a:srgbClr val="800080"/>
+      </a:folHlink>
+    </a:clrScheme>
+    <a:fontScheme name="Office">
+      <a:majorFont>
+        <a:latin typeface="Calibri"/>
+        <a:ea typeface=""/>
+        <a:cs typeface=""/>
+        <a:font script="Jpan" typeface="ＭＳ Ｐゴシック"/>
+        <a:font script="Hang" typeface="맑은 고딕"/>
+        <a:font script="Hans" typeface="宋体"/>
+        <a:font script="Hant" typeface="新細明體"/>
+        <a:font script="Arab" typeface="Times New Roman"/>
+        <a:font script="Hebr" typeface="Times New Roman"/>
+        <a:font script="Thai" typeface="Angsana New"/>
+        <a:font script="Ethi" typeface="Nyala"/>
+        <a:font script="Beng" typeface="Vrinda"/>
+        <a:font script="Gujr" typeface="Shruti"/>
+        <a:font script="Khmr" typeface="MoolBoran"/>
+        <a:font script="Knda" typeface="Tunga"/>
+        <a:font script="Guru" typeface="Raavi"/>
+        <a:font script="Cans" typeface="Euphemia"/>
+        <a:font script="Cher" typeface="Plantagenet Cherokee"/>
+        <a:font script="Yiii" typeface="Microsoft Yi Baiti"/>
+        <a:font script="Tibt" typeface="Microsoft Himalaya"/>
+        <a:font script="Thaa" typeface="MV Boli"/>
+        <a:font script="Deva" typeface="Mangal"/>
+        <a:font script="Telu" typeface="Gautami"/>
+        <a:font script="Taml" typeface="Latha"/>
+        <a:font script="Syrc" typeface="Estrangelo Edessa"/>
+        <a:font script="Orya" typeface="Kalinga"/>
+        <a:font script="Mlym" typeface="Kartika"/>
+        <a:font script="Laoo" typeface="DokChampa"/>
+        <a:font script="Sinh" typeface="Iskoola Pota"/>
+        <a:font script="Mong" typeface="Mongolian Baiti"/>
+        <a:font script="Viet" typeface="Times New Roman"/>
+        <a:font script="Uigh" typeface="Microsoft Uighur"/>
+        <a:font script="Geor" typeface="Sylfaen"/>
+      </a:majorFont>
+      <a:minorFont>
+        <a:latin typeface="Calibri"/>
+        <a:ea typeface=""/>
+        <a:cs typeface=""/>
+        <a:font script="Jpan" typeface="ＭＳ Ｐゴシック"/>
+        <a:font script="Hang" typeface="맑은 고딕"/>
+        <a:font script="Hans" typeface="宋体"/>
+        <a:font script="Hant" typeface="新細明體"/>
+        <a:font script="Arab" typeface="Arial"/>
+        <a:font script="Hebr" typeface="Arial"/>
+        <a:font script="Thai" typeface="Cordia New"/>
+        <a:font script="Ethi" typeface="Nyala"/>
+        <a:font script="Beng" typeface="Vrinda"/>
+        <a:font script="Gujr" typeface="Shruti"/>
+        <a:font script="Khmr" typeface="DaunPenh"/>
+        <a:font script="Knda" typeface="Tunga"/>
+        <a:font script="Guru" typeface="Raavi"/>
+        <a:font script="Cans" typeface="Euphemia"/>
+        <a:font script="Cher" typeface="Plantagenet Cherokee"/>
+        <a:font script="Yiii" typeface="Microsoft Yi Baiti"/>
+        <a:font script="Tibt" typeface="Microsoft Himalaya"/>
+        <a:font script="Thaa" typeface="MV Boli"/>
+        <a:font script="Deva" typeface="Mangal"/>
+        <a:font script="Telu" typeface="Gautami"/>
+        <a:font script="Taml" typeface="Latha"/>
+        <a:font script="Syrc" typeface="Estrangelo Edessa"/>
+        <a:font script="Orya" typeface="Kalinga"/>
+        <a:font script="Mlym" typeface="Kartika"/>
+        <a:font script="Laoo" typeface="DokChampa"/>
+        <a:font script="Sinh" typeface="Iskoola Pota"/>
+        <a:font script="Mong" typeface="Mongolian Baiti"/>
+        <a:font script="Viet" typeface="Arial"/>
+        <a:font script="Uigh" typeface="Microsoft Uighur"/>
+        <a:font script="Geor" typeface="Sylfaen"/>
+      </a:minorFont>
+    </a:fontScheme>
+    <a:fmtScheme name="Office">
+      <a:fillStyleLst>
+        <a:solidFill>
+          <a:schemeClr val="phClr"/>
+        </a:solidFill>
+        <a:gradFill rotWithShape="1">
+          <a:gsLst>
+            <a:gs pos="0">
+              <a:schemeClr val="phClr">
+                <a:tint val="50000"/>
+                <a:satMod val="300000"/>
+              </a:schemeClr>
+            </a:gs>
+            <a:gs pos="35000">
+              <a:schemeClr val="phClr">
+                <a:tint val="37000"/>
+                <a:satMod val="300000"/>
+              </a:schemeClr>
+            </a:gs>
+            <a:gs pos="100000">
+              <a:schemeClr val="phClr">
+                <a:tint val="15000"/>
+                <a:satMod val="350000"/>
+              </a:schemeClr>
+            </a:gs>
+          </a:gsLst>
+          <a:lin ang="16200000" scaled="1"/>
+        </a:gradFill>
+        <a:gradFill rotWithShape="1">
+          <a:gsLst>
+            <a:gs pos="0">
+              <a:schemeClr val="phClr">
+                <a:shade val="51000"/>
+                <a:satMod val="130000"/>
+              </a:schemeClr>
+            </a:gs>
+            <a:gs pos="80000">
+              <a:schemeClr val="phClr">
+                <a:shade val="93000"/>
+                <a:satMod val="130000"/>
+              </a:schemeClr>
+            </a:gs>
+            <a:gs pos="100000">
+              <a:schemeClr val="phClr">
+                <a:shade val="94000"/>
+                <a:satMod val="135000"/>
+              </a:schemeClr>
+            </a:gs>
+          </a:gsLst>
+          <a:lin ang="16200000" scaled="0"/>
+        </a:gradFill>
+      </a:fillStyleLst>
+      <a:lnStyleLst>
+        <a:ln w="9525" cap="flat" cmpd="sng" algn="ctr">
+          <a:solidFill>
+            <a:schemeClr val="phClr">
+              <a:shade val="95000"/>
+              <a:satMod val="105000"/>
+            </a:schemeClr>
+          </a:solidFill>
+          <a:prstDash val="solid"/>
+        </a:ln>
+        <a:ln w="25400" cap="flat" cmpd="sng" algn="ctr">
+          <a:solidFill>
+            <a:schemeClr val="phClr"/>
+          </a:solidFill>
+          <a:prstDash val="solid"/>
+        </a:ln>
+        <a:ln w="38100" cap="flat" cmpd="sng" algn="ctr">
+          <a:solidFill>
+            <a:schemeClr val="phClr"/>
+          </a:solidFill>
+          <a:prstDash val="solid"/>
+        </a:ln>
+      </a:lnStyleLst>
+      <a:effectStyleLst>
+        <a:effectStyle>
+          <a:effectLst>
+            <a:outerShdw blurRad="40000" dist="20000" dir="5400000" rotWithShape="0">
+              <a:srgbClr val="000000">
+                <a:alpha val="38000"/>
+              </a:srgbClr>
+            </a:outerShdw>
+          </a:effectLst>
+        </a:effectStyle>
+        <a:effectStyle>
+          <a:effectLst>
+            <a:outerShdw blurRad="40000" dist="23000" dir="5400000" rotWithShape="0">
+              <a:srgbClr val="000000">
+                <a:alpha val="35000"/>
+              </a:srgbClr>
+            </a:outerShdw>
+          </a:effectLst>
+        </a:effectStyle>
+        <a:effectStyle>
+          <a:effectLst>
+            <a:outerShdw blurRad="40000" dist="23000" dir="5400000" rotWithShape="0">
+              <a:srgbClr val="000000">
+                <a:alpha val="35000"/>
+              </a:srgbClr>
+            </a:outerShdw>
+          </a:effectLst>
+          <a:scene3d>
+            <a:camera prst="orthographicFront">
+              <a:rot lat="0" lon="0" rev="0"/>
+            </a:camera>
+            <a:lightRig rig="threePt" dir="t">
+              <a:rot lat="0" lon="0" rev="1200000"/>
+            </a:lightRig>
+          </a:scene3d>
+          <a:sp3d>
+            <a:bevelT w="63500" h="25400"/>
+          </a:sp3d>
+        </a:effectStyle>
+      </a:effectStyleLst>
+      <a:bgFillStyleLst>
+        <a:solidFill>
+          <a:schemeClr val="phClr"/>
+        </a:solidFill>
+        <a:gradFill rotWithShape="1">
+          <a:gsLst>
+            <a:gs pos="0">
+              <a:schemeClr val="phClr">
+                <a:tint val="40000"/>
+                <a:satMod val="350000"/>
+              </a:schemeClr>
+            </a:gs>
+            <a:gs pos="40000">
+              <a:schemeClr val="phClr">
+                <a:tint val="45000"/>
+                <a:shade val="99000"/>
+                <a:satMod val="350000"/>
+              </a:schemeClr>
+            </a:gs>
+            <a:gs pos="100000">
+              <a:schemeClr val="phClr">
+                <a:shade val="20000"/>
+                <a:satMod val="255000"/>
+              </a:schemeClr>
+            </a:gs>
+          </a:gsLst>
+          <a:path path="circle">
+            <a:fillToRect l="50000" t="-80000" r="50000" b="180000"/>
+          </a:path>
+        </a:gradFill>
+        <a:gradFill rotWithShape="1">
+          <a:gsLst>
+            <a:gs pos="0">
+              <a:schemeClr val="phClr">
+                <a:tint val="80000"/>
+                <a:satMod val="300000"/>
+              </a:schemeClr>
+            </a:gs>
+            <a:gs pos="100000">
+              <a:schemeClr val="phClr">
+                <a:shade val="30000"/>
+                <a:satMod val="200000"/>
+              </a:schemeClr>
+            </a:gs>
+          </a:gsLst>
+          <a:path path="circle">
+            <a:fillToRect l="50000" t="50000" r="50000" b="50000"/>
+          </a:path>
+        </a:gradFill>
+      </a:bgFillStyleLst>
+    </a:fmtScheme>
+  </a:themeElements>
+  <a:objectDefaults/>
+  <a:extraClrSchemeLst/>
+</a:theme>
 </file>